--- a/ppt/outline.pptx
+++ b/ppt/outline.pptx
@@ -105,6 +105,11 @@
       </a:defRPr>
     </a:lvl9pPr>
   </p:defaultTextStyle>
+  <p:extLst>
+    <p:ext uri="{EFAFB233-063F-42B5-8137-9DF3F51BA10A}">
+      <p15:sldGuideLst xmlns:p15="http://schemas.microsoft.com/office/powerpoint/2012/main"/>
+    </p:ext>
+  </p:extLst>
 </p:presentation>
 </file>
 
@@ -257,7 +262,7 @@
           <a:p>
             <a:fld id="{31D64954-C4C3-40AE-9E05-E5A489E98ACE}" type="datetimeFigureOut">
               <a:rPr lang="en-GB" smtClean="0"/>
-              <a:t>22/11/2023</a:t>
+              <a:t>23/11/2023</a:t>
             </a:fld>
             <a:endParaRPr lang="en-GB"/>
           </a:p>
@@ -457,7 +462,7 @@
           <a:p>
             <a:fld id="{31D64954-C4C3-40AE-9E05-E5A489E98ACE}" type="datetimeFigureOut">
               <a:rPr lang="en-GB" smtClean="0"/>
-              <a:t>22/11/2023</a:t>
+              <a:t>23/11/2023</a:t>
             </a:fld>
             <a:endParaRPr lang="en-GB"/>
           </a:p>
@@ -667,7 +672,7 @@
           <a:p>
             <a:fld id="{31D64954-C4C3-40AE-9E05-E5A489E98ACE}" type="datetimeFigureOut">
               <a:rPr lang="en-GB" smtClean="0"/>
-              <a:t>22/11/2023</a:t>
+              <a:t>23/11/2023</a:t>
             </a:fld>
             <a:endParaRPr lang="en-GB"/>
           </a:p>
@@ -867,7 +872,7 @@
           <a:p>
             <a:fld id="{31D64954-C4C3-40AE-9E05-E5A489E98ACE}" type="datetimeFigureOut">
               <a:rPr lang="en-GB" smtClean="0"/>
-              <a:t>22/11/2023</a:t>
+              <a:t>23/11/2023</a:t>
             </a:fld>
             <a:endParaRPr lang="en-GB"/>
           </a:p>
@@ -1143,7 +1148,7 @@
           <a:p>
             <a:fld id="{31D64954-C4C3-40AE-9E05-E5A489E98ACE}" type="datetimeFigureOut">
               <a:rPr lang="en-GB" smtClean="0"/>
-              <a:t>22/11/2023</a:t>
+              <a:t>23/11/2023</a:t>
             </a:fld>
             <a:endParaRPr lang="en-GB"/>
           </a:p>
@@ -1411,7 +1416,7 @@
           <a:p>
             <a:fld id="{31D64954-C4C3-40AE-9E05-E5A489E98ACE}" type="datetimeFigureOut">
               <a:rPr lang="en-GB" smtClean="0"/>
-              <a:t>22/11/2023</a:t>
+              <a:t>23/11/2023</a:t>
             </a:fld>
             <a:endParaRPr lang="en-GB"/>
           </a:p>
@@ -1826,7 +1831,7 @@
           <a:p>
             <a:fld id="{31D64954-C4C3-40AE-9E05-E5A489E98ACE}" type="datetimeFigureOut">
               <a:rPr lang="en-GB" smtClean="0"/>
-              <a:t>22/11/2023</a:t>
+              <a:t>23/11/2023</a:t>
             </a:fld>
             <a:endParaRPr lang="en-GB"/>
           </a:p>
@@ -1968,7 +1973,7 @@
           <a:p>
             <a:fld id="{31D64954-C4C3-40AE-9E05-E5A489E98ACE}" type="datetimeFigureOut">
               <a:rPr lang="en-GB" smtClean="0"/>
-              <a:t>22/11/2023</a:t>
+              <a:t>23/11/2023</a:t>
             </a:fld>
             <a:endParaRPr lang="en-GB"/>
           </a:p>
@@ -2081,7 +2086,7 @@
           <a:p>
             <a:fld id="{31D64954-C4C3-40AE-9E05-E5A489E98ACE}" type="datetimeFigureOut">
               <a:rPr lang="en-GB" smtClean="0"/>
-              <a:t>22/11/2023</a:t>
+              <a:t>23/11/2023</a:t>
             </a:fld>
             <a:endParaRPr lang="en-GB"/>
           </a:p>
@@ -2394,7 +2399,7 @@
           <a:p>
             <a:fld id="{31D64954-C4C3-40AE-9E05-E5A489E98ACE}" type="datetimeFigureOut">
               <a:rPr lang="en-GB" smtClean="0"/>
-              <a:t>22/11/2023</a:t>
+              <a:t>23/11/2023</a:t>
             </a:fld>
             <a:endParaRPr lang="en-GB"/>
           </a:p>
@@ -2683,7 +2688,7 @@
           <a:p>
             <a:fld id="{31D64954-C4C3-40AE-9E05-E5A489E98ACE}" type="datetimeFigureOut">
               <a:rPr lang="en-GB" smtClean="0"/>
-              <a:t>22/11/2023</a:t>
+              <a:t>23/11/2023</a:t>
             </a:fld>
             <a:endParaRPr lang="en-GB"/>
           </a:p>
@@ -2926,7 +2931,7 @@
           <a:p>
             <a:fld id="{31D64954-C4C3-40AE-9E05-E5A489E98ACE}" type="datetimeFigureOut">
               <a:rPr lang="en-GB" smtClean="0"/>
-              <a:t>22/11/2023</a:t>
+              <a:t>23/11/2023</a:t>
             </a:fld>
             <a:endParaRPr lang="en-GB"/>
           </a:p>
@@ -3575,8 +3580,8 @@
           </p:nvSpPr>
           <p:spPr>
             <a:xfrm>
-              <a:off x="1913465" y="2678102"/>
-              <a:ext cx="2658534" cy="369332"/>
+              <a:off x="1518708" y="2678102"/>
+              <a:ext cx="3544357" cy="369332"/>
             </a:xfrm>
             <a:prstGeom prst="rect">
               <a:avLst/>
@@ -3648,7 +3653,6 @@
             <a:bodyPr rtlCol="0" anchor="ctr"/>
             <a:lstStyle/>
             <a:p>
-              <a:pPr algn="ctr"/>
               <a:r>
                 <a:rPr lang="en-GB" dirty="0">
                   <a:solidFill>
@@ -3707,7 +3711,6 @@
             <a:bodyPr rtlCol="0" anchor="ctr"/>
             <a:lstStyle/>
             <a:p>
-              <a:pPr algn="ctr"/>
               <a:r>
                 <a:rPr lang="en-GB" dirty="0">
                   <a:solidFill>
@@ -3789,8 +3792,8 @@
           </p:nvSpPr>
           <p:spPr>
             <a:xfrm>
-              <a:off x="5917139" y="2664268"/>
-              <a:ext cx="3033187" cy="369332"/>
+              <a:off x="5653616" y="2664268"/>
+              <a:ext cx="3560233" cy="369332"/>
             </a:xfrm>
             <a:prstGeom prst="rect">
               <a:avLst/>
@@ -3862,7 +3865,6 @@
             <a:bodyPr rtlCol="0" anchor="ctr"/>
             <a:lstStyle/>
             <a:p>
-              <a:pPr algn="ctr"/>
               <a:r>
                 <a:rPr lang="en-GB" dirty="0">
                   <a:solidFill>
@@ -3921,7 +3923,6 @@
             <a:bodyPr rtlCol="0" anchor="ctr"/>
             <a:lstStyle/>
             <a:p>
-              <a:pPr algn="ctr"/>
               <a:r>
                 <a:rPr lang="en-GB" dirty="0">
                   <a:solidFill>
@@ -3980,14 +3981,29 @@
             <a:bodyPr rtlCol="0" anchor="ctr"/>
             <a:lstStyle/>
             <a:p>
-              <a:pPr algn="ctr"/>
               <a:r>
                 <a:rPr lang="en-GB" dirty="0">
                   <a:solidFill>
                     <a:schemeClr val="tx1"/>
                   </a:solidFill>
                 </a:rPr>
-                <a:t>7. Upscaling of global carbon fluxes</a:t>
+                <a:t>7. CO</a:t>
+              </a:r>
+              <a:r>
+                <a:rPr lang="en-GB" baseline="-25000" dirty="0">
+                  <a:solidFill>
+                    <a:schemeClr val="tx1"/>
+                  </a:solidFill>
+                </a:rPr>
+                <a:t>2</a:t>
+              </a:r>
+              <a:r>
+                <a:rPr lang="en-GB" dirty="0">
+                  <a:solidFill>
+                    <a:schemeClr val="tx1"/>
+                  </a:solidFill>
+                </a:rPr>
+                <a:t> monitoring platform</a:t>
               </a:r>
             </a:p>
           </p:txBody>
